--- a/ppt 16-9/1237.青年崇拜.pptx
+++ b/ppt 16-9/1237.青年崇拜.pptx
@@ -129,7 +129,7 @@
           <p:cNvPr id="2" name="标题 1">
             <a:extLst>
               <a:ext uri="{FF2B5EF4-FFF2-40B4-BE49-F238E27FC236}">
-                <a16:creationId xmlns:a16="http://schemas.microsoft.com/office/drawing/2014/main" id="{EE02C66D-B048-BE34-DA8E-7277942816E6}"/>
+                <a16:creationId xmlns:a16="http://schemas.microsoft.com/office/drawing/2014/main" id="{566A8C02-5B37-902F-F6F6-56A57B166BE9}"/>
               </a:ext>
             </a:extLst>
           </p:cNvPr>
@@ -166,7 +166,7 @@
           <p:cNvPr id="3" name="副标题 2">
             <a:extLst>
               <a:ext uri="{FF2B5EF4-FFF2-40B4-BE49-F238E27FC236}">
-                <a16:creationId xmlns:a16="http://schemas.microsoft.com/office/drawing/2014/main" id="{1248D38B-BB3F-B4CE-0183-B45E8E5D6EAA}"/>
+                <a16:creationId xmlns:a16="http://schemas.microsoft.com/office/drawing/2014/main" id="{55ABBEAD-E5F4-A150-E7E2-A027751AE714}"/>
               </a:ext>
             </a:extLst>
           </p:cNvPr>
@@ -236,7 +236,7 @@
           <p:cNvPr id="4" name="日期占位符 3">
             <a:extLst>
               <a:ext uri="{FF2B5EF4-FFF2-40B4-BE49-F238E27FC236}">
-                <a16:creationId xmlns:a16="http://schemas.microsoft.com/office/drawing/2014/main" id="{8A19157A-1394-6A47-4BF2-1C67E57BA070}"/>
+                <a16:creationId xmlns:a16="http://schemas.microsoft.com/office/drawing/2014/main" id="{943F1C59-D872-AC3F-FE5A-335FC195B700}"/>
               </a:ext>
             </a:extLst>
           </p:cNvPr>
@@ -252,7 +252,7 @@
           <a:bodyPr/>
           <a:lstStyle/>
           <a:p>
-            <a:fld id="{8CBBD875-E757-4833-8CAA-EBD1C7F6AEB9}" type="datetimeFigureOut">
+            <a:fld id="{680FF2AB-7657-42F2-8B70-7DD8DD3440E8}" type="datetimeFigureOut">
               <a:rPr lang="zh-CN" altLang="en-US" smtClean="0"/>
               <a:t>2024/3/10</a:t>
             </a:fld>
@@ -265,7 +265,7 @@
           <p:cNvPr id="5" name="页脚占位符 4">
             <a:extLst>
               <a:ext uri="{FF2B5EF4-FFF2-40B4-BE49-F238E27FC236}">
-                <a16:creationId xmlns:a16="http://schemas.microsoft.com/office/drawing/2014/main" id="{EE09487F-8748-1955-171E-31423B6B9A8D}"/>
+                <a16:creationId xmlns:a16="http://schemas.microsoft.com/office/drawing/2014/main" id="{A6AF5F24-BAD8-697F-E219-B1E5EC9C96DD}"/>
               </a:ext>
             </a:extLst>
           </p:cNvPr>
@@ -290,7 +290,7 @@
           <p:cNvPr id="6" name="灯片编号占位符 5">
             <a:extLst>
               <a:ext uri="{FF2B5EF4-FFF2-40B4-BE49-F238E27FC236}">
-                <a16:creationId xmlns:a16="http://schemas.microsoft.com/office/drawing/2014/main" id="{B8343E35-BE6C-D188-9E8D-365BAFBD9AF7}"/>
+                <a16:creationId xmlns:a16="http://schemas.microsoft.com/office/drawing/2014/main" id="{7ADE7E54-5289-FE47-A939-2214A143E9E2}"/>
               </a:ext>
             </a:extLst>
           </p:cNvPr>
@@ -306,7 +306,7 @@
           <a:bodyPr/>
           <a:lstStyle/>
           <a:p>
-            <a:fld id="{8978E35B-9529-4433-B115-8B234C348645}" type="slidenum">
+            <a:fld id="{E24D44B5-547A-472E-B757-5EC9701B9C6D}" type="slidenum">
               <a:rPr lang="zh-CN" altLang="en-US" smtClean="0"/>
               <a:t>‹#›</a:t>
             </a:fld>
@@ -317,7 +317,7 @@
     </p:spTree>
     <p:extLst>
       <p:ext uri="{BB962C8B-B14F-4D97-AF65-F5344CB8AC3E}">
-        <p14:creationId xmlns:p14="http://schemas.microsoft.com/office/powerpoint/2010/main" val="4073498885"/>
+        <p14:creationId xmlns:p14="http://schemas.microsoft.com/office/powerpoint/2010/main" val="2082929973"/>
       </p:ext>
     </p:extLst>
   </p:cSld>
@@ -349,7 +349,7 @@
           <p:cNvPr id="2" name="标题 1">
             <a:extLst>
               <a:ext uri="{FF2B5EF4-FFF2-40B4-BE49-F238E27FC236}">
-                <a16:creationId xmlns:a16="http://schemas.microsoft.com/office/drawing/2014/main" id="{8EF598DC-AED3-8780-5991-732F0D7B1662}"/>
+                <a16:creationId xmlns:a16="http://schemas.microsoft.com/office/drawing/2014/main" id="{9AFF0E44-4F15-3248-B520-8CD15FFDA235}"/>
               </a:ext>
             </a:extLst>
           </p:cNvPr>
@@ -377,7 +377,7 @@
           <p:cNvPr id="3" name="竖排文字占位符 2">
             <a:extLst>
               <a:ext uri="{FF2B5EF4-FFF2-40B4-BE49-F238E27FC236}">
-                <a16:creationId xmlns:a16="http://schemas.microsoft.com/office/drawing/2014/main" id="{2B3E48CB-3072-F65B-A4FA-997642208589}"/>
+                <a16:creationId xmlns:a16="http://schemas.microsoft.com/office/drawing/2014/main" id="{F2C78688-4505-DFA6-1FB8-2D7B434762C8}"/>
               </a:ext>
             </a:extLst>
           </p:cNvPr>
@@ -434,7 +434,7 @@
           <p:cNvPr id="4" name="日期占位符 3">
             <a:extLst>
               <a:ext uri="{FF2B5EF4-FFF2-40B4-BE49-F238E27FC236}">
-                <a16:creationId xmlns:a16="http://schemas.microsoft.com/office/drawing/2014/main" id="{0859BB56-4F21-DF09-D277-86B310F003DB}"/>
+                <a16:creationId xmlns:a16="http://schemas.microsoft.com/office/drawing/2014/main" id="{FDAA8A6D-F4D1-000D-1E95-A72A52157AD0}"/>
               </a:ext>
             </a:extLst>
           </p:cNvPr>
@@ -450,7 +450,7 @@
           <a:bodyPr/>
           <a:lstStyle/>
           <a:p>
-            <a:fld id="{8CBBD875-E757-4833-8CAA-EBD1C7F6AEB9}" type="datetimeFigureOut">
+            <a:fld id="{680FF2AB-7657-42F2-8B70-7DD8DD3440E8}" type="datetimeFigureOut">
               <a:rPr lang="zh-CN" altLang="en-US" smtClean="0"/>
               <a:t>2024/3/10</a:t>
             </a:fld>
@@ -463,7 +463,7 @@
           <p:cNvPr id="5" name="页脚占位符 4">
             <a:extLst>
               <a:ext uri="{FF2B5EF4-FFF2-40B4-BE49-F238E27FC236}">
-                <a16:creationId xmlns:a16="http://schemas.microsoft.com/office/drawing/2014/main" id="{A78D81FB-51F4-A182-A9F5-173B459EEB79}"/>
+                <a16:creationId xmlns:a16="http://schemas.microsoft.com/office/drawing/2014/main" id="{9C85D475-7485-AC1E-6D94-0292E852F185}"/>
               </a:ext>
             </a:extLst>
           </p:cNvPr>
@@ -488,7 +488,7 @@
           <p:cNvPr id="6" name="灯片编号占位符 5">
             <a:extLst>
               <a:ext uri="{FF2B5EF4-FFF2-40B4-BE49-F238E27FC236}">
-                <a16:creationId xmlns:a16="http://schemas.microsoft.com/office/drawing/2014/main" id="{2AB8DC67-4B8D-E8B1-065C-A059F4B3B674}"/>
+                <a16:creationId xmlns:a16="http://schemas.microsoft.com/office/drawing/2014/main" id="{D60EFB9B-B77D-5DEF-A088-2C3EA9FFB86D}"/>
               </a:ext>
             </a:extLst>
           </p:cNvPr>
@@ -504,7 +504,7 @@
           <a:bodyPr/>
           <a:lstStyle/>
           <a:p>
-            <a:fld id="{8978E35B-9529-4433-B115-8B234C348645}" type="slidenum">
+            <a:fld id="{E24D44B5-547A-472E-B757-5EC9701B9C6D}" type="slidenum">
               <a:rPr lang="zh-CN" altLang="en-US" smtClean="0"/>
               <a:t>‹#›</a:t>
             </a:fld>
@@ -515,7 +515,7 @@
     </p:spTree>
     <p:extLst>
       <p:ext uri="{BB962C8B-B14F-4D97-AF65-F5344CB8AC3E}">
-        <p14:creationId xmlns:p14="http://schemas.microsoft.com/office/powerpoint/2010/main" val="1583267698"/>
+        <p14:creationId xmlns:p14="http://schemas.microsoft.com/office/powerpoint/2010/main" val="1373840720"/>
       </p:ext>
     </p:extLst>
   </p:cSld>
@@ -547,7 +547,7 @@
           <p:cNvPr id="2" name="竖排标题 1">
             <a:extLst>
               <a:ext uri="{FF2B5EF4-FFF2-40B4-BE49-F238E27FC236}">
-                <a16:creationId xmlns:a16="http://schemas.microsoft.com/office/drawing/2014/main" id="{8BB66BCD-8388-E5E3-957F-0C773D468159}"/>
+                <a16:creationId xmlns:a16="http://schemas.microsoft.com/office/drawing/2014/main" id="{180B2892-6CA8-B074-B632-99F2A642847D}"/>
               </a:ext>
             </a:extLst>
           </p:cNvPr>
@@ -580,7 +580,7 @@
           <p:cNvPr id="3" name="竖排文字占位符 2">
             <a:extLst>
               <a:ext uri="{FF2B5EF4-FFF2-40B4-BE49-F238E27FC236}">
-                <a16:creationId xmlns:a16="http://schemas.microsoft.com/office/drawing/2014/main" id="{051299EA-A024-935E-6C59-6AD02C88DEB1}"/>
+                <a16:creationId xmlns:a16="http://schemas.microsoft.com/office/drawing/2014/main" id="{9C3EC295-DA4F-7C02-3362-720A26550BCE}"/>
               </a:ext>
             </a:extLst>
           </p:cNvPr>
@@ -642,7 +642,7 @@
           <p:cNvPr id="4" name="日期占位符 3">
             <a:extLst>
               <a:ext uri="{FF2B5EF4-FFF2-40B4-BE49-F238E27FC236}">
-                <a16:creationId xmlns:a16="http://schemas.microsoft.com/office/drawing/2014/main" id="{E903A504-C037-65F2-03E4-9DAF1968F81F}"/>
+                <a16:creationId xmlns:a16="http://schemas.microsoft.com/office/drawing/2014/main" id="{BDFB1025-18DB-3175-E582-5E18C7CDB89E}"/>
               </a:ext>
             </a:extLst>
           </p:cNvPr>
@@ -658,7 +658,7 @@
           <a:bodyPr/>
           <a:lstStyle/>
           <a:p>
-            <a:fld id="{8CBBD875-E757-4833-8CAA-EBD1C7F6AEB9}" type="datetimeFigureOut">
+            <a:fld id="{680FF2AB-7657-42F2-8B70-7DD8DD3440E8}" type="datetimeFigureOut">
               <a:rPr lang="zh-CN" altLang="en-US" smtClean="0"/>
               <a:t>2024/3/10</a:t>
             </a:fld>
@@ -671,7 +671,7 @@
           <p:cNvPr id="5" name="页脚占位符 4">
             <a:extLst>
               <a:ext uri="{FF2B5EF4-FFF2-40B4-BE49-F238E27FC236}">
-                <a16:creationId xmlns:a16="http://schemas.microsoft.com/office/drawing/2014/main" id="{EB3110BE-2ACD-9028-1D91-C6C22CD1580D}"/>
+                <a16:creationId xmlns:a16="http://schemas.microsoft.com/office/drawing/2014/main" id="{B3170419-6883-28B8-BC6A-E104B2452187}"/>
               </a:ext>
             </a:extLst>
           </p:cNvPr>
@@ -696,7 +696,7 @@
           <p:cNvPr id="6" name="灯片编号占位符 5">
             <a:extLst>
               <a:ext uri="{FF2B5EF4-FFF2-40B4-BE49-F238E27FC236}">
-                <a16:creationId xmlns:a16="http://schemas.microsoft.com/office/drawing/2014/main" id="{C9A5C700-52F2-F8CC-D299-CBA10028C8D1}"/>
+                <a16:creationId xmlns:a16="http://schemas.microsoft.com/office/drawing/2014/main" id="{4944AAA8-7EBF-E428-7D8B-2EE1EFF02E80}"/>
               </a:ext>
             </a:extLst>
           </p:cNvPr>
@@ -712,7 +712,7 @@
           <a:bodyPr/>
           <a:lstStyle/>
           <a:p>
-            <a:fld id="{8978E35B-9529-4433-B115-8B234C348645}" type="slidenum">
+            <a:fld id="{E24D44B5-547A-472E-B757-5EC9701B9C6D}" type="slidenum">
               <a:rPr lang="zh-CN" altLang="en-US" smtClean="0"/>
               <a:t>‹#›</a:t>
             </a:fld>
@@ -723,7 +723,7 @@
     </p:spTree>
     <p:extLst>
       <p:ext uri="{BB962C8B-B14F-4D97-AF65-F5344CB8AC3E}">
-        <p14:creationId xmlns:p14="http://schemas.microsoft.com/office/powerpoint/2010/main" val="3386723473"/>
+        <p14:creationId xmlns:p14="http://schemas.microsoft.com/office/powerpoint/2010/main" val="4197916941"/>
       </p:ext>
     </p:extLst>
   </p:cSld>
@@ -755,7 +755,7 @@
           <p:cNvPr id="2" name="标题 1">
             <a:extLst>
               <a:ext uri="{FF2B5EF4-FFF2-40B4-BE49-F238E27FC236}">
-                <a16:creationId xmlns:a16="http://schemas.microsoft.com/office/drawing/2014/main" id="{4E53ECA0-FFF1-8D54-ACBA-2041552A823F}"/>
+                <a16:creationId xmlns:a16="http://schemas.microsoft.com/office/drawing/2014/main" id="{D9F85E8E-A83B-95DF-D958-0D5615E70EB0}"/>
               </a:ext>
             </a:extLst>
           </p:cNvPr>
@@ -783,7 +783,7 @@
           <p:cNvPr id="3" name="内容占位符 2">
             <a:extLst>
               <a:ext uri="{FF2B5EF4-FFF2-40B4-BE49-F238E27FC236}">
-                <a16:creationId xmlns:a16="http://schemas.microsoft.com/office/drawing/2014/main" id="{12D4D7EA-D0B5-051F-33EA-20BEAF81FFDC}"/>
+                <a16:creationId xmlns:a16="http://schemas.microsoft.com/office/drawing/2014/main" id="{22A0D4BA-03FE-88CF-8F06-D3176505FB81}"/>
               </a:ext>
             </a:extLst>
           </p:cNvPr>
@@ -840,7 +840,7 @@
           <p:cNvPr id="4" name="日期占位符 3">
             <a:extLst>
               <a:ext uri="{FF2B5EF4-FFF2-40B4-BE49-F238E27FC236}">
-                <a16:creationId xmlns:a16="http://schemas.microsoft.com/office/drawing/2014/main" id="{D9DA3A6D-614C-332F-EA03-9DA9D8718171}"/>
+                <a16:creationId xmlns:a16="http://schemas.microsoft.com/office/drawing/2014/main" id="{4759D74B-5DE5-DC4C-AF00-97335EC4906F}"/>
               </a:ext>
             </a:extLst>
           </p:cNvPr>
@@ -856,7 +856,7 @@
           <a:bodyPr/>
           <a:lstStyle/>
           <a:p>
-            <a:fld id="{8CBBD875-E757-4833-8CAA-EBD1C7F6AEB9}" type="datetimeFigureOut">
+            <a:fld id="{680FF2AB-7657-42F2-8B70-7DD8DD3440E8}" type="datetimeFigureOut">
               <a:rPr lang="zh-CN" altLang="en-US" smtClean="0"/>
               <a:t>2024/3/10</a:t>
             </a:fld>
@@ -869,7 +869,7 @@
           <p:cNvPr id="5" name="页脚占位符 4">
             <a:extLst>
               <a:ext uri="{FF2B5EF4-FFF2-40B4-BE49-F238E27FC236}">
-                <a16:creationId xmlns:a16="http://schemas.microsoft.com/office/drawing/2014/main" id="{2E9EB987-C21E-B08D-CAC5-2625C84680F3}"/>
+                <a16:creationId xmlns:a16="http://schemas.microsoft.com/office/drawing/2014/main" id="{449A3B83-C729-51FD-0769-93A03B79F437}"/>
               </a:ext>
             </a:extLst>
           </p:cNvPr>
@@ -894,7 +894,7 @@
           <p:cNvPr id="6" name="灯片编号占位符 5">
             <a:extLst>
               <a:ext uri="{FF2B5EF4-FFF2-40B4-BE49-F238E27FC236}">
-                <a16:creationId xmlns:a16="http://schemas.microsoft.com/office/drawing/2014/main" id="{D6C6FE45-1800-718B-1269-BAE56A82B0AD}"/>
+                <a16:creationId xmlns:a16="http://schemas.microsoft.com/office/drawing/2014/main" id="{547FA3E3-A777-E892-F518-5E2E44ED8F17}"/>
               </a:ext>
             </a:extLst>
           </p:cNvPr>
@@ -910,7 +910,7 @@
           <a:bodyPr/>
           <a:lstStyle/>
           <a:p>
-            <a:fld id="{8978E35B-9529-4433-B115-8B234C348645}" type="slidenum">
+            <a:fld id="{E24D44B5-547A-472E-B757-5EC9701B9C6D}" type="slidenum">
               <a:rPr lang="zh-CN" altLang="en-US" smtClean="0"/>
               <a:t>‹#›</a:t>
             </a:fld>
@@ -921,7 +921,7 @@
     </p:spTree>
     <p:extLst>
       <p:ext uri="{BB962C8B-B14F-4D97-AF65-F5344CB8AC3E}">
-        <p14:creationId xmlns:p14="http://schemas.microsoft.com/office/powerpoint/2010/main" val="1244922693"/>
+        <p14:creationId xmlns:p14="http://schemas.microsoft.com/office/powerpoint/2010/main" val="2420949828"/>
       </p:ext>
     </p:extLst>
   </p:cSld>
@@ -953,7 +953,7 @@
           <p:cNvPr id="2" name="标题 1">
             <a:extLst>
               <a:ext uri="{FF2B5EF4-FFF2-40B4-BE49-F238E27FC236}">
-                <a16:creationId xmlns:a16="http://schemas.microsoft.com/office/drawing/2014/main" id="{9B4C4DB0-0B5A-0C9D-8138-BA896A2A37B8}"/>
+                <a16:creationId xmlns:a16="http://schemas.microsoft.com/office/drawing/2014/main" id="{BA09C345-8AD1-7A91-F438-CF59D6C110A9}"/>
               </a:ext>
             </a:extLst>
           </p:cNvPr>
@@ -990,7 +990,7 @@
           <p:cNvPr id="3" name="文本占位符 2">
             <a:extLst>
               <a:ext uri="{FF2B5EF4-FFF2-40B4-BE49-F238E27FC236}">
-                <a16:creationId xmlns:a16="http://schemas.microsoft.com/office/drawing/2014/main" id="{BBE8C9C0-241C-9394-14BF-C5A2312F2612}"/>
+                <a16:creationId xmlns:a16="http://schemas.microsoft.com/office/drawing/2014/main" id="{E1E4DAF7-ADC7-8F13-0513-313069E654C2}"/>
               </a:ext>
             </a:extLst>
           </p:cNvPr>
@@ -1115,7 +1115,7 @@
           <p:cNvPr id="4" name="日期占位符 3">
             <a:extLst>
               <a:ext uri="{FF2B5EF4-FFF2-40B4-BE49-F238E27FC236}">
-                <a16:creationId xmlns:a16="http://schemas.microsoft.com/office/drawing/2014/main" id="{C6EA72DB-ABCB-D8AB-A2F2-9996F798AA28}"/>
+                <a16:creationId xmlns:a16="http://schemas.microsoft.com/office/drawing/2014/main" id="{913620BB-6BDA-B9AE-8C8E-43115F1959F2}"/>
               </a:ext>
             </a:extLst>
           </p:cNvPr>
@@ -1131,7 +1131,7 @@
           <a:bodyPr/>
           <a:lstStyle/>
           <a:p>
-            <a:fld id="{8CBBD875-E757-4833-8CAA-EBD1C7F6AEB9}" type="datetimeFigureOut">
+            <a:fld id="{680FF2AB-7657-42F2-8B70-7DD8DD3440E8}" type="datetimeFigureOut">
               <a:rPr lang="zh-CN" altLang="en-US" smtClean="0"/>
               <a:t>2024/3/10</a:t>
             </a:fld>
@@ -1144,7 +1144,7 @@
           <p:cNvPr id="5" name="页脚占位符 4">
             <a:extLst>
               <a:ext uri="{FF2B5EF4-FFF2-40B4-BE49-F238E27FC236}">
-                <a16:creationId xmlns:a16="http://schemas.microsoft.com/office/drawing/2014/main" id="{C3C6A9BA-0225-09BC-2200-7B5F9D7D987E}"/>
+                <a16:creationId xmlns:a16="http://schemas.microsoft.com/office/drawing/2014/main" id="{47D439EA-573E-8C9F-E2FB-44255C867B47}"/>
               </a:ext>
             </a:extLst>
           </p:cNvPr>
@@ -1169,7 +1169,7 @@
           <p:cNvPr id="6" name="灯片编号占位符 5">
             <a:extLst>
               <a:ext uri="{FF2B5EF4-FFF2-40B4-BE49-F238E27FC236}">
-                <a16:creationId xmlns:a16="http://schemas.microsoft.com/office/drawing/2014/main" id="{1A3E26E8-7D91-6809-9C96-5F752082067F}"/>
+                <a16:creationId xmlns:a16="http://schemas.microsoft.com/office/drawing/2014/main" id="{87E85079-6CF5-BD92-50F9-E873CAED7CA4}"/>
               </a:ext>
             </a:extLst>
           </p:cNvPr>
@@ -1185,7 +1185,7 @@
           <a:bodyPr/>
           <a:lstStyle/>
           <a:p>
-            <a:fld id="{8978E35B-9529-4433-B115-8B234C348645}" type="slidenum">
+            <a:fld id="{E24D44B5-547A-472E-B757-5EC9701B9C6D}" type="slidenum">
               <a:rPr lang="zh-CN" altLang="en-US" smtClean="0"/>
               <a:t>‹#›</a:t>
             </a:fld>
@@ -1196,7 +1196,7 @@
     </p:spTree>
     <p:extLst>
       <p:ext uri="{BB962C8B-B14F-4D97-AF65-F5344CB8AC3E}">
-        <p14:creationId xmlns:p14="http://schemas.microsoft.com/office/powerpoint/2010/main" val="1779004449"/>
+        <p14:creationId xmlns:p14="http://schemas.microsoft.com/office/powerpoint/2010/main" val="437190093"/>
       </p:ext>
     </p:extLst>
   </p:cSld>
@@ -1228,7 +1228,7 @@
           <p:cNvPr id="2" name="标题 1">
             <a:extLst>
               <a:ext uri="{FF2B5EF4-FFF2-40B4-BE49-F238E27FC236}">
-                <a16:creationId xmlns:a16="http://schemas.microsoft.com/office/drawing/2014/main" id="{3B88C3E7-6C7F-B2DB-3EF5-E5918A13AE7E}"/>
+                <a16:creationId xmlns:a16="http://schemas.microsoft.com/office/drawing/2014/main" id="{2C972F6D-5A2B-4B38-0D64-7A8AC4B3A62F}"/>
               </a:ext>
             </a:extLst>
           </p:cNvPr>
@@ -1256,7 +1256,7 @@
           <p:cNvPr id="3" name="内容占位符 2">
             <a:extLst>
               <a:ext uri="{FF2B5EF4-FFF2-40B4-BE49-F238E27FC236}">
-                <a16:creationId xmlns:a16="http://schemas.microsoft.com/office/drawing/2014/main" id="{8AA64E72-5FA7-FE3E-D06C-72450203D143}"/>
+                <a16:creationId xmlns:a16="http://schemas.microsoft.com/office/drawing/2014/main" id="{8C732BF7-A181-0C9B-02DD-379942A945CC}"/>
               </a:ext>
             </a:extLst>
           </p:cNvPr>
@@ -1318,7 +1318,7 @@
           <p:cNvPr id="4" name="内容占位符 3">
             <a:extLst>
               <a:ext uri="{FF2B5EF4-FFF2-40B4-BE49-F238E27FC236}">
-                <a16:creationId xmlns:a16="http://schemas.microsoft.com/office/drawing/2014/main" id="{9C319F21-E746-D637-F904-641A8BE7D277}"/>
+                <a16:creationId xmlns:a16="http://schemas.microsoft.com/office/drawing/2014/main" id="{AE75D0EF-6D0B-A2E8-0055-0A2A141A5CEC}"/>
               </a:ext>
             </a:extLst>
           </p:cNvPr>
@@ -1380,7 +1380,7 @@
           <p:cNvPr id="5" name="日期占位符 4">
             <a:extLst>
               <a:ext uri="{FF2B5EF4-FFF2-40B4-BE49-F238E27FC236}">
-                <a16:creationId xmlns:a16="http://schemas.microsoft.com/office/drawing/2014/main" id="{876073D8-F8E0-5D35-9CA3-799B625C8303}"/>
+                <a16:creationId xmlns:a16="http://schemas.microsoft.com/office/drawing/2014/main" id="{1FC9926E-02BC-AB83-33F1-93E83915107B}"/>
               </a:ext>
             </a:extLst>
           </p:cNvPr>
@@ -1396,7 +1396,7 @@
           <a:bodyPr/>
           <a:lstStyle/>
           <a:p>
-            <a:fld id="{8CBBD875-E757-4833-8CAA-EBD1C7F6AEB9}" type="datetimeFigureOut">
+            <a:fld id="{680FF2AB-7657-42F2-8B70-7DD8DD3440E8}" type="datetimeFigureOut">
               <a:rPr lang="zh-CN" altLang="en-US" smtClean="0"/>
               <a:t>2024/3/10</a:t>
             </a:fld>
@@ -1409,7 +1409,7 @@
           <p:cNvPr id="6" name="页脚占位符 5">
             <a:extLst>
               <a:ext uri="{FF2B5EF4-FFF2-40B4-BE49-F238E27FC236}">
-                <a16:creationId xmlns:a16="http://schemas.microsoft.com/office/drawing/2014/main" id="{826C87F9-7947-A870-AB5A-0728CCEB3D2F}"/>
+                <a16:creationId xmlns:a16="http://schemas.microsoft.com/office/drawing/2014/main" id="{8714BA6E-E481-9DB2-F4C2-C71F51621A16}"/>
               </a:ext>
             </a:extLst>
           </p:cNvPr>
@@ -1434,7 +1434,7 @@
           <p:cNvPr id="7" name="灯片编号占位符 6">
             <a:extLst>
               <a:ext uri="{FF2B5EF4-FFF2-40B4-BE49-F238E27FC236}">
-                <a16:creationId xmlns:a16="http://schemas.microsoft.com/office/drawing/2014/main" id="{71A545A4-9424-86E7-B920-2C1B8F9198FB}"/>
+                <a16:creationId xmlns:a16="http://schemas.microsoft.com/office/drawing/2014/main" id="{84EFD6DB-19A7-DEE4-3D32-DFDF898C42C5}"/>
               </a:ext>
             </a:extLst>
           </p:cNvPr>
@@ -1450,7 +1450,7 @@
           <a:bodyPr/>
           <a:lstStyle/>
           <a:p>
-            <a:fld id="{8978E35B-9529-4433-B115-8B234C348645}" type="slidenum">
+            <a:fld id="{E24D44B5-547A-472E-B757-5EC9701B9C6D}" type="slidenum">
               <a:rPr lang="zh-CN" altLang="en-US" smtClean="0"/>
               <a:t>‹#›</a:t>
             </a:fld>
@@ -1461,7 +1461,7 @@
     </p:spTree>
     <p:extLst>
       <p:ext uri="{BB962C8B-B14F-4D97-AF65-F5344CB8AC3E}">
-        <p14:creationId xmlns:p14="http://schemas.microsoft.com/office/powerpoint/2010/main" val="263126228"/>
+        <p14:creationId xmlns:p14="http://schemas.microsoft.com/office/powerpoint/2010/main" val="2699700026"/>
       </p:ext>
     </p:extLst>
   </p:cSld>
@@ -1493,7 +1493,7 @@
           <p:cNvPr id="2" name="标题 1">
             <a:extLst>
               <a:ext uri="{FF2B5EF4-FFF2-40B4-BE49-F238E27FC236}">
-                <a16:creationId xmlns:a16="http://schemas.microsoft.com/office/drawing/2014/main" id="{A6F95E99-4C10-C221-8691-C693A8FE6180}"/>
+                <a16:creationId xmlns:a16="http://schemas.microsoft.com/office/drawing/2014/main" id="{6007098E-2052-E7B0-5A78-55D948C49027}"/>
               </a:ext>
             </a:extLst>
           </p:cNvPr>
@@ -1526,7 +1526,7 @@
           <p:cNvPr id="3" name="文本占位符 2">
             <a:extLst>
               <a:ext uri="{FF2B5EF4-FFF2-40B4-BE49-F238E27FC236}">
-                <a16:creationId xmlns:a16="http://schemas.microsoft.com/office/drawing/2014/main" id="{F8F1C925-017E-8FD9-B6D0-26245C941213}"/>
+                <a16:creationId xmlns:a16="http://schemas.microsoft.com/office/drawing/2014/main" id="{BEB17107-7FA0-2222-3E98-CD44B1E41124}"/>
               </a:ext>
             </a:extLst>
           </p:cNvPr>
@@ -1597,7 +1597,7 @@
           <p:cNvPr id="4" name="内容占位符 3">
             <a:extLst>
               <a:ext uri="{FF2B5EF4-FFF2-40B4-BE49-F238E27FC236}">
-                <a16:creationId xmlns:a16="http://schemas.microsoft.com/office/drawing/2014/main" id="{7A1FEAB3-95FB-E9BE-0B74-AEA202157FE0}"/>
+                <a16:creationId xmlns:a16="http://schemas.microsoft.com/office/drawing/2014/main" id="{7BA55E24-EAA7-F532-D2D3-E783F8816546}"/>
               </a:ext>
             </a:extLst>
           </p:cNvPr>
@@ -1659,7 +1659,7 @@
           <p:cNvPr id="5" name="文本占位符 4">
             <a:extLst>
               <a:ext uri="{FF2B5EF4-FFF2-40B4-BE49-F238E27FC236}">
-                <a16:creationId xmlns:a16="http://schemas.microsoft.com/office/drawing/2014/main" id="{EEA6C7DE-498C-7662-496F-58CA4477BF83}"/>
+                <a16:creationId xmlns:a16="http://schemas.microsoft.com/office/drawing/2014/main" id="{F334C5EE-8604-8266-4ADC-BA6F955A919C}"/>
               </a:ext>
             </a:extLst>
           </p:cNvPr>
@@ -1730,7 +1730,7 @@
           <p:cNvPr id="6" name="内容占位符 5">
             <a:extLst>
               <a:ext uri="{FF2B5EF4-FFF2-40B4-BE49-F238E27FC236}">
-                <a16:creationId xmlns:a16="http://schemas.microsoft.com/office/drawing/2014/main" id="{ADACA833-F3B0-0659-B350-EC1291EA8310}"/>
+                <a16:creationId xmlns:a16="http://schemas.microsoft.com/office/drawing/2014/main" id="{128100BC-217C-4AFF-FD82-E96CE49B9FC9}"/>
               </a:ext>
             </a:extLst>
           </p:cNvPr>
@@ -1792,7 +1792,7 @@
           <p:cNvPr id="7" name="日期占位符 6">
             <a:extLst>
               <a:ext uri="{FF2B5EF4-FFF2-40B4-BE49-F238E27FC236}">
-                <a16:creationId xmlns:a16="http://schemas.microsoft.com/office/drawing/2014/main" id="{6283F7C8-652C-2795-28A5-019166BB7823}"/>
+                <a16:creationId xmlns:a16="http://schemas.microsoft.com/office/drawing/2014/main" id="{1235AA19-747A-EF12-6193-225309C6A605}"/>
               </a:ext>
             </a:extLst>
           </p:cNvPr>
@@ -1808,7 +1808,7 @@
           <a:bodyPr/>
           <a:lstStyle/>
           <a:p>
-            <a:fld id="{8CBBD875-E757-4833-8CAA-EBD1C7F6AEB9}" type="datetimeFigureOut">
+            <a:fld id="{680FF2AB-7657-42F2-8B70-7DD8DD3440E8}" type="datetimeFigureOut">
               <a:rPr lang="zh-CN" altLang="en-US" smtClean="0"/>
               <a:t>2024/3/10</a:t>
             </a:fld>
@@ -1821,7 +1821,7 @@
           <p:cNvPr id="8" name="页脚占位符 7">
             <a:extLst>
               <a:ext uri="{FF2B5EF4-FFF2-40B4-BE49-F238E27FC236}">
-                <a16:creationId xmlns:a16="http://schemas.microsoft.com/office/drawing/2014/main" id="{72547003-BF23-CA26-E3A5-74F068178E20}"/>
+                <a16:creationId xmlns:a16="http://schemas.microsoft.com/office/drawing/2014/main" id="{1D5BAA10-6C93-0371-A98E-8C16F566B3DE}"/>
               </a:ext>
             </a:extLst>
           </p:cNvPr>
@@ -1846,7 +1846,7 @@
           <p:cNvPr id="9" name="灯片编号占位符 8">
             <a:extLst>
               <a:ext uri="{FF2B5EF4-FFF2-40B4-BE49-F238E27FC236}">
-                <a16:creationId xmlns:a16="http://schemas.microsoft.com/office/drawing/2014/main" id="{F747CE1E-92AA-C6ED-A72B-0EA86581E8B3}"/>
+                <a16:creationId xmlns:a16="http://schemas.microsoft.com/office/drawing/2014/main" id="{CB8EB8D1-BB9C-161A-CF85-EC57DA75A35D}"/>
               </a:ext>
             </a:extLst>
           </p:cNvPr>
@@ -1862,7 +1862,7 @@
           <a:bodyPr/>
           <a:lstStyle/>
           <a:p>
-            <a:fld id="{8978E35B-9529-4433-B115-8B234C348645}" type="slidenum">
+            <a:fld id="{E24D44B5-547A-472E-B757-5EC9701B9C6D}" type="slidenum">
               <a:rPr lang="zh-CN" altLang="en-US" smtClean="0"/>
               <a:t>‹#›</a:t>
             </a:fld>
@@ -1873,7 +1873,7 @@
     </p:spTree>
     <p:extLst>
       <p:ext uri="{BB962C8B-B14F-4D97-AF65-F5344CB8AC3E}">
-        <p14:creationId xmlns:p14="http://schemas.microsoft.com/office/powerpoint/2010/main" val="254674986"/>
+        <p14:creationId xmlns:p14="http://schemas.microsoft.com/office/powerpoint/2010/main" val="2962465097"/>
       </p:ext>
     </p:extLst>
   </p:cSld>
@@ -1905,7 +1905,7 @@
           <p:cNvPr id="2" name="标题 1">
             <a:extLst>
               <a:ext uri="{FF2B5EF4-FFF2-40B4-BE49-F238E27FC236}">
-                <a16:creationId xmlns:a16="http://schemas.microsoft.com/office/drawing/2014/main" id="{8C34B912-FD53-FF1E-CB9D-A924212BB2D8}"/>
+                <a16:creationId xmlns:a16="http://schemas.microsoft.com/office/drawing/2014/main" id="{B3B8BC77-A1A3-1BE4-7573-3DD68FED481D}"/>
               </a:ext>
             </a:extLst>
           </p:cNvPr>
@@ -1933,7 +1933,7 @@
           <p:cNvPr id="3" name="日期占位符 2">
             <a:extLst>
               <a:ext uri="{FF2B5EF4-FFF2-40B4-BE49-F238E27FC236}">
-                <a16:creationId xmlns:a16="http://schemas.microsoft.com/office/drawing/2014/main" id="{37902246-2794-0945-CB29-1BEEE26BA8E6}"/>
+                <a16:creationId xmlns:a16="http://schemas.microsoft.com/office/drawing/2014/main" id="{4FCA04AA-907B-CDB7-CC33-471A85CD7FFF}"/>
               </a:ext>
             </a:extLst>
           </p:cNvPr>
@@ -1949,7 +1949,7 @@
           <a:bodyPr/>
           <a:lstStyle/>
           <a:p>
-            <a:fld id="{8CBBD875-E757-4833-8CAA-EBD1C7F6AEB9}" type="datetimeFigureOut">
+            <a:fld id="{680FF2AB-7657-42F2-8B70-7DD8DD3440E8}" type="datetimeFigureOut">
               <a:rPr lang="zh-CN" altLang="en-US" smtClean="0"/>
               <a:t>2024/3/10</a:t>
             </a:fld>
@@ -1962,7 +1962,7 @@
           <p:cNvPr id="4" name="页脚占位符 3">
             <a:extLst>
               <a:ext uri="{FF2B5EF4-FFF2-40B4-BE49-F238E27FC236}">
-                <a16:creationId xmlns:a16="http://schemas.microsoft.com/office/drawing/2014/main" id="{69C44F31-BA30-81D9-0EB4-1103A2C89EE4}"/>
+                <a16:creationId xmlns:a16="http://schemas.microsoft.com/office/drawing/2014/main" id="{FC0EB2AC-66EE-DFE4-7E19-8C1D2056FFB3}"/>
               </a:ext>
             </a:extLst>
           </p:cNvPr>
@@ -1987,7 +1987,7 @@
           <p:cNvPr id="5" name="灯片编号占位符 4">
             <a:extLst>
               <a:ext uri="{FF2B5EF4-FFF2-40B4-BE49-F238E27FC236}">
-                <a16:creationId xmlns:a16="http://schemas.microsoft.com/office/drawing/2014/main" id="{DCCC5B53-BBB7-F07E-A750-D0BC748DEF5D}"/>
+                <a16:creationId xmlns:a16="http://schemas.microsoft.com/office/drawing/2014/main" id="{0C3815E6-6EF3-CD33-7ED8-8C8168897D1F}"/>
               </a:ext>
             </a:extLst>
           </p:cNvPr>
@@ -2003,7 +2003,7 @@
           <a:bodyPr/>
           <a:lstStyle/>
           <a:p>
-            <a:fld id="{8978E35B-9529-4433-B115-8B234C348645}" type="slidenum">
+            <a:fld id="{E24D44B5-547A-472E-B757-5EC9701B9C6D}" type="slidenum">
               <a:rPr lang="zh-CN" altLang="en-US" smtClean="0"/>
               <a:t>‹#›</a:t>
             </a:fld>
@@ -2014,7 +2014,7 @@
     </p:spTree>
     <p:extLst>
       <p:ext uri="{BB962C8B-B14F-4D97-AF65-F5344CB8AC3E}">
-        <p14:creationId xmlns:p14="http://schemas.microsoft.com/office/powerpoint/2010/main" val="2075172227"/>
+        <p14:creationId xmlns:p14="http://schemas.microsoft.com/office/powerpoint/2010/main" val="2849922673"/>
       </p:ext>
     </p:extLst>
   </p:cSld>
@@ -2046,7 +2046,7 @@
           <p:cNvPr id="2" name="日期占位符 1">
             <a:extLst>
               <a:ext uri="{FF2B5EF4-FFF2-40B4-BE49-F238E27FC236}">
-                <a16:creationId xmlns:a16="http://schemas.microsoft.com/office/drawing/2014/main" id="{6BA43AB1-FCAB-FA13-0E78-25DD615DC9F2}"/>
+                <a16:creationId xmlns:a16="http://schemas.microsoft.com/office/drawing/2014/main" id="{C34C75FD-3BCB-61B9-49BC-BD2EDA838429}"/>
               </a:ext>
             </a:extLst>
           </p:cNvPr>
@@ -2062,7 +2062,7 @@
           <a:bodyPr/>
           <a:lstStyle/>
           <a:p>
-            <a:fld id="{8CBBD875-E757-4833-8CAA-EBD1C7F6AEB9}" type="datetimeFigureOut">
+            <a:fld id="{680FF2AB-7657-42F2-8B70-7DD8DD3440E8}" type="datetimeFigureOut">
               <a:rPr lang="zh-CN" altLang="en-US" smtClean="0"/>
               <a:t>2024/3/10</a:t>
             </a:fld>
@@ -2075,7 +2075,7 @@
           <p:cNvPr id="3" name="页脚占位符 2">
             <a:extLst>
               <a:ext uri="{FF2B5EF4-FFF2-40B4-BE49-F238E27FC236}">
-                <a16:creationId xmlns:a16="http://schemas.microsoft.com/office/drawing/2014/main" id="{C6D82E20-49B0-70E7-824C-2596CF85DBE1}"/>
+                <a16:creationId xmlns:a16="http://schemas.microsoft.com/office/drawing/2014/main" id="{3BD30156-0CE1-0305-B87E-F80A85129786}"/>
               </a:ext>
             </a:extLst>
           </p:cNvPr>
@@ -2100,7 +2100,7 @@
           <p:cNvPr id="4" name="灯片编号占位符 3">
             <a:extLst>
               <a:ext uri="{FF2B5EF4-FFF2-40B4-BE49-F238E27FC236}">
-                <a16:creationId xmlns:a16="http://schemas.microsoft.com/office/drawing/2014/main" id="{D28663BC-EAA8-1387-99B7-8FBF1D9DDC6D}"/>
+                <a16:creationId xmlns:a16="http://schemas.microsoft.com/office/drawing/2014/main" id="{1344B758-CFDE-9104-3527-BC48B2FF80A9}"/>
               </a:ext>
             </a:extLst>
           </p:cNvPr>
@@ -2116,7 +2116,7 @@
           <a:bodyPr/>
           <a:lstStyle/>
           <a:p>
-            <a:fld id="{8978E35B-9529-4433-B115-8B234C348645}" type="slidenum">
+            <a:fld id="{E24D44B5-547A-472E-B757-5EC9701B9C6D}" type="slidenum">
               <a:rPr lang="zh-CN" altLang="en-US" smtClean="0"/>
               <a:t>‹#›</a:t>
             </a:fld>
@@ -2127,7 +2127,7 @@
     </p:spTree>
     <p:extLst>
       <p:ext uri="{BB962C8B-B14F-4D97-AF65-F5344CB8AC3E}">
-        <p14:creationId xmlns:p14="http://schemas.microsoft.com/office/powerpoint/2010/main" val="2680677646"/>
+        <p14:creationId xmlns:p14="http://schemas.microsoft.com/office/powerpoint/2010/main" val="839393711"/>
       </p:ext>
     </p:extLst>
   </p:cSld>
@@ -2159,7 +2159,7 @@
           <p:cNvPr id="2" name="标题 1">
             <a:extLst>
               <a:ext uri="{FF2B5EF4-FFF2-40B4-BE49-F238E27FC236}">
-                <a16:creationId xmlns:a16="http://schemas.microsoft.com/office/drawing/2014/main" id="{DC8DDC47-FCE3-FF06-2D16-D50C4A1CA23F}"/>
+                <a16:creationId xmlns:a16="http://schemas.microsoft.com/office/drawing/2014/main" id="{3B37F2CD-0922-BF00-E393-13FEBB4A93FB}"/>
               </a:ext>
             </a:extLst>
           </p:cNvPr>
@@ -2196,7 +2196,7 @@
           <p:cNvPr id="3" name="内容占位符 2">
             <a:extLst>
               <a:ext uri="{FF2B5EF4-FFF2-40B4-BE49-F238E27FC236}">
-                <a16:creationId xmlns:a16="http://schemas.microsoft.com/office/drawing/2014/main" id="{C6BF9972-503B-0FE3-95BF-015E9038201D}"/>
+                <a16:creationId xmlns:a16="http://schemas.microsoft.com/office/drawing/2014/main" id="{43AE153D-3ECE-E1F0-38E3-08BB2D6E5B43}"/>
               </a:ext>
             </a:extLst>
           </p:cNvPr>
@@ -2286,7 +2286,7 @@
           <p:cNvPr id="4" name="文本占位符 3">
             <a:extLst>
               <a:ext uri="{FF2B5EF4-FFF2-40B4-BE49-F238E27FC236}">
-                <a16:creationId xmlns:a16="http://schemas.microsoft.com/office/drawing/2014/main" id="{8976C916-E447-75C0-8B68-0855CEA90311}"/>
+                <a16:creationId xmlns:a16="http://schemas.microsoft.com/office/drawing/2014/main" id="{156F502F-E47B-BF71-4D59-32460F24DFF6}"/>
               </a:ext>
             </a:extLst>
           </p:cNvPr>
@@ -2357,7 +2357,7 @@
           <p:cNvPr id="5" name="日期占位符 4">
             <a:extLst>
               <a:ext uri="{FF2B5EF4-FFF2-40B4-BE49-F238E27FC236}">
-                <a16:creationId xmlns:a16="http://schemas.microsoft.com/office/drawing/2014/main" id="{D6346E70-819F-0172-4D2F-79CBEEA9DA66}"/>
+                <a16:creationId xmlns:a16="http://schemas.microsoft.com/office/drawing/2014/main" id="{9D34B5BF-E3AF-6905-D3B7-7AB45DE90E55}"/>
               </a:ext>
             </a:extLst>
           </p:cNvPr>
@@ -2373,7 +2373,7 @@
           <a:bodyPr/>
           <a:lstStyle/>
           <a:p>
-            <a:fld id="{8CBBD875-E757-4833-8CAA-EBD1C7F6AEB9}" type="datetimeFigureOut">
+            <a:fld id="{680FF2AB-7657-42F2-8B70-7DD8DD3440E8}" type="datetimeFigureOut">
               <a:rPr lang="zh-CN" altLang="en-US" smtClean="0"/>
               <a:t>2024/3/10</a:t>
             </a:fld>
@@ -2386,7 +2386,7 @@
           <p:cNvPr id="6" name="页脚占位符 5">
             <a:extLst>
               <a:ext uri="{FF2B5EF4-FFF2-40B4-BE49-F238E27FC236}">
-                <a16:creationId xmlns:a16="http://schemas.microsoft.com/office/drawing/2014/main" id="{8E28FD40-5AAD-9A3B-05B1-F2D1880B62C4}"/>
+                <a16:creationId xmlns:a16="http://schemas.microsoft.com/office/drawing/2014/main" id="{8FE2BC77-AD02-C8BB-71AB-BBBFAB312F6D}"/>
               </a:ext>
             </a:extLst>
           </p:cNvPr>
@@ -2411,7 +2411,7 @@
           <p:cNvPr id="7" name="灯片编号占位符 6">
             <a:extLst>
               <a:ext uri="{FF2B5EF4-FFF2-40B4-BE49-F238E27FC236}">
-                <a16:creationId xmlns:a16="http://schemas.microsoft.com/office/drawing/2014/main" id="{17F76B7B-6A9E-0CE4-321F-796AC81D6B2A}"/>
+                <a16:creationId xmlns:a16="http://schemas.microsoft.com/office/drawing/2014/main" id="{9660EF1F-5A48-7211-8C19-AA8BBE5CE000}"/>
               </a:ext>
             </a:extLst>
           </p:cNvPr>
@@ -2427,7 +2427,7 @@
           <a:bodyPr/>
           <a:lstStyle/>
           <a:p>
-            <a:fld id="{8978E35B-9529-4433-B115-8B234C348645}" type="slidenum">
+            <a:fld id="{E24D44B5-547A-472E-B757-5EC9701B9C6D}" type="slidenum">
               <a:rPr lang="zh-CN" altLang="en-US" smtClean="0"/>
               <a:t>‹#›</a:t>
             </a:fld>
@@ -2438,7 +2438,7 @@
     </p:spTree>
     <p:extLst>
       <p:ext uri="{BB962C8B-B14F-4D97-AF65-F5344CB8AC3E}">
-        <p14:creationId xmlns:p14="http://schemas.microsoft.com/office/powerpoint/2010/main" val="3186955228"/>
+        <p14:creationId xmlns:p14="http://schemas.microsoft.com/office/powerpoint/2010/main" val="2324863083"/>
       </p:ext>
     </p:extLst>
   </p:cSld>
@@ -2470,7 +2470,7 @@
           <p:cNvPr id="2" name="标题 1">
             <a:extLst>
               <a:ext uri="{FF2B5EF4-FFF2-40B4-BE49-F238E27FC236}">
-                <a16:creationId xmlns:a16="http://schemas.microsoft.com/office/drawing/2014/main" id="{2FF6CB48-1DAD-AB4D-4538-5F35615B386E}"/>
+                <a16:creationId xmlns:a16="http://schemas.microsoft.com/office/drawing/2014/main" id="{E916D3A9-D39D-10AB-DFFA-585CFA8C48B7}"/>
               </a:ext>
             </a:extLst>
           </p:cNvPr>
@@ -2507,7 +2507,7 @@
           <p:cNvPr id="3" name="图片占位符 2">
             <a:extLst>
               <a:ext uri="{FF2B5EF4-FFF2-40B4-BE49-F238E27FC236}">
-                <a16:creationId xmlns:a16="http://schemas.microsoft.com/office/drawing/2014/main" id="{2BAC16F6-32AF-5BBD-306B-48F6521B397C}"/>
+                <a16:creationId xmlns:a16="http://schemas.microsoft.com/office/drawing/2014/main" id="{D3841694-1F20-3AC7-DD4F-B8F53224F50D}"/>
               </a:ext>
             </a:extLst>
           </p:cNvPr>
@@ -2574,7 +2574,7 @@
           <p:cNvPr id="4" name="文本占位符 3">
             <a:extLst>
               <a:ext uri="{FF2B5EF4-FFF2-40B4-BE49-F238E27FC236}">
-                <a16:creationId xmlns:a16="http://schemas.microsoft.com/office/drawing/2014/main" id="{A137CE6C-541F-8BB6-7C11-9786964567A2}"/>
+                <a16:creationId xmlns:a16="http://schemas.microsoft.com/office/drawing/2014/main" id="{A5C70C8F-4C4A-78BB-9331-907ADFFF4703}"/>
               </a:ext>
             </a:extLst>
           </p:cNvPr>
@@ -2645,7 +2645,7 @@
           <p:cNvPr id="5" name="日期占位符 4">
             <a:extLst>
               <a:ext uri="{FF2B5EF4-FFF2-40B4-BE49-F238E27FC236}">
-                <a16:creationId xmlns:a16="http://schemas.microsoft.com/office/drawing/2014/main" id="{7E08DC25-AADE-AF99-0B7E-3AFE607E5E66}"/>
+                <a16:creationId xmlns:a16="http://schemas.microsoft.com/office/drawing/2014/main" id="{115F634D-A4DC-AD18-DC8C-5EB8749737CC}"/>
               </a:ext>
             </a:extLst>
           </p:cNvPr>
@@ -2661,7 +2661,7 @@
           <a:bodyPr/>
           <a:lstStyle/>
           <a:p>
-            <a:fld id="{8CBBD875-E757-4833-8CAA-EBD1C7F6AEB9}" type="datetimeFigureOut">
+            <a:fld id="{680FF2AB-7657-42F2-8B70-7DD8DD3440E8}" type="datetimeFigureOut">
               <a:rPr lang="zh-CN" altLang="en-US" smtClean="0"/>
               <a:t>2024/3/10</a:t>
             </a:fld>
@@ -2674,7 +2674,7 @@
           <p:cNvPr id="6" name="页脚占位符 5">
             <a:extLst>
               <a:ext uri="{FF2B5EF4-FFF2-40B4-BE49-F238E27FC236}">
-                <a16:creationId xmlns:a16="http://schemas.microsoft.com/office/drawing/2014/main" id="{B141C6BD-F4B9-6323-513C-F3ECD88088FE}"/>
+                <a16:creationId xmlns:a16="http://schemas.microsoft.com/office/drawing/2014/main" id="{2808C9C9-7CED-B232-C7D4-30E9A7090552}"/>
               </a:ext>
             </a:extLst>
           </p:cNvPr>
@@ -2699,7 +2699,7 @@
           <p:cNvPr id="7" name="灯片编号占位符 6">
             <a:extLst>
               <a:ext uri="{FF2B5EF4-FFF2-40B4-BE49-F238E27FC236}">
-                <a16:creationId xmlns:a16="http://schemas.microsoft.com/office/drawing/2014/main" id="{35B627A1-ACAD-25DA-7C1B-412447FDE991}"/>
+                <a16:creationId xmlns:a16="http://schemas.microsoft.com/office/drawing/2014/main" id="{B1D5E09A-1B09-8749-58AE-29C4B7E07C85}"/>
               </a:ext>
             </a:extLst>
           </p:cNvPr>
@@ -2715,7 +2715,7 @@
           <a:bodyPr/>
           <a:lstStyle/>
           <a:p>
-            <a:fld id="{8978E35B-9529-4433-B115-8B234C348645}" type="slidenum">
+            <a:fld id="{E24D44B5-547A-472E-B757-5EC9701B9C6D}" type="slidenum">
               <a:rPr lang="zh-CN" altLang="en-US" smtClean="0"/>
               <a:t>‹#›</a:t>
             </a:fld>
@@ -2726,7 +2726,7 @@
     </p:spTree>
     <p:extLst>
       <p:ext uri="{BB962C8B-B14F-4D97-AF65-F5344CB8AC3E}">
-        <p14:creationId xmlns:p14="http://schemas.microsoft.com/office/powerpoint/2010/main" val="4279646804"/>
+        <p14:creationId xmlns:p14="http://schemas.microsoft.com/office/powerpoint/2010/main" val="1894101999"/>
       </p:ext>
     </p:extLst>
   </p:cSld>
@@ -2763,7 +2763,7 @@
           <p:cNvPr id="2" name="标题占位符 1">
             <a:extLst>
               <a:ext uri="{FF2B5EF4-FFF2-40B4-BE49-F238E27FC236}">
-                <a16:creationId xmlns:a16="http://schemas.microsoft.com/office/drawing/2014/main" id="{78604119-2FB8-30B5-A4AB-B97F320E613E}"/>
+                <a16:creationId xmlns:a16="http://schemas.microsoft.com/office/drawing/2014/main" id="{087546AD-E754-5D96-CC6A-0D00457285BC}"/>
               </a:ext>
             </a:extLst>
           </p:cNvPr>
@@ -2801,7 +2801,7 @@
           <p:cNvPr id="3" name="文本占位符 2">
             <a:extLst>
               <a:ext uri="{FF2B5EF4-FFF2-40B4-BE49-F238E27FC236}">
-                <a16:creationId xmlns:a16="http://schemas.microsoft.com/office/drawing/2014/main" id="{EFB63E32-59D4-7097-44F4-2B874EE2BCB0}"/>
+                <a16:creationId xmlns:a16="http://schemas.microsoft.com/office/drawing/2014/main" id="{F48D7A9D-6067-B5E9-04F2-0DD37047CA5B}"/>
               </a:ext>
             </a:extLst>
           </p:cNvPr>
@@ -2868,7 +2868,7 @@
           <p:cNvPr id="4" name="日期占位符 3">
             <a:extLst>
               <a:ext uri="{FF2B5EF4-FFF2-40B4-BE49-F238E27FC236}">
-                <a16:creationId xmlns:a16="http://schemas.microsoft.com/office/drawing/2014/main" id="{2C9A9A01-850D-BD3F-DF97-5E6D9E43CC38}"/>
+                <a16:creationId xmlns:a16="http://schemas.microsoft.com/office/drawing/2014/main" id="{57CA3F33-7FBA-F86B-0B1A-5B54EF7DF458}"/>
               </a:ext>
             </a:extLst>
           </p:cNvPr>
@@ -2902,7 +2902,7 @@
             </a:lvl1pPr>
           </a:lstStyle>
           <a:p>
-            <a:fld id="{8CBBD875-E757-4833-8CAA-EBD1C7F6AEB9}" type="datetimeFigureOut">
+            <a:fld id="{680FF2AB-7657-42F2-8B70-7DD8DD3440E8}" type="datetimeFigureOut">
               <a:rPr lang="zh-CN" altLang="en-US" smtClean="0"/>
               <a:t>2024/3/10</a:t>
             </a:fld>
@@ -2915,7 +2915,7 @@
           <p:cNvPr id="5" name="页脚占位符 4">
             <a:extLst>
               <a:ext uri="{FF2B5EF4-FFF2-40B4-BE49-F238E27FC236}">
-                <a16:creationId xmlns:a16="http://schemas.microsoft.com/office/drawing/2014/main" id="{8CCC8DCD-2EF6-8376-6A14-A2D5D0F604DC}"/>
+                <a16:creationId xmlns:a16="http://schemas.microsoft.com/office/drawing/2014/main" id="{CC380FB1-7ACA-BFEF-4A48-783E71A40B20}"/>
               </a:ext>
             </a:extLst>
           </p:cNvPr>
@@ -2958,7 +2958,7 @@
           <p:cNvPr id="6" name="灯片编号占位符 5">
             <a:extLst>
               <a:ext uri="{FF2B5EF4-FFF2-40B4-BE49-F238E27FC236}">
-                <a16:creationId xmlns:a16="http://schemas.microsoft.com/office/drawing/2014/main" id="{D2F6CB79-CE9C-FB23-0DF3-8894BCCD6D8D}"/>
+                <a16:creationId xmlns:a16="http://schemas.microsoft.com/office/drawing/2014/main" id="{B81E15FA-C775-1249-F7F7-C7BE18176274}"/>
               </a:ext>
             </a:extLst>
           </p:cNvPr>
@@ -2992,7 +2992,7 @@
             </a:lvl1pPr>
           </a:lstStyle>
           <a:p>
-            <a:fld id="{8978E35B-9529-4433-B115-8B234C348645}" type="slidenum">
+            <a:fld id="{E24D44B5-547A-472E-B757-5EC9701B9C6D}" type="slidenum">
               <a:rPr lang="zh-CN" altLang="en-US" smtClean="0"/>
               <a:t>‹#›</a:t>
             </a:fld>
@@ -3003,7 +3003,7 @@
     </p:spTree>
     <p:extLst>
       <p:ext uri="{BB962C8B-B14F-4D97-AF65-F5344CB8AC3E}">
-        <p14:creationId xmlns:p14="http://schemas.microsoft.com/office/powerpoint/2010/main" val="1288620653"/>
+        <p14:creationId xmlns:p14="http://schemas.microsoft.com/office/powerpoint/2010/main" val="1173947935"/>
       </p:ext>
     </p:extLst>
   </p:cSld>
